--- a/Notes.pptx
+++ b/Notes.pptx
@@ -21,6 +21,9 @@
     <p:sldId id="269" r:id="rId15"/>
     <p:sldId id="270" r:id="rId16"/>
     <p:sldId id="271" r:id="rId17"/>
+    <p:sldId id="272" r:id="rId18"/>
+    <p:sldId id="273" r:id="rId19"/>
+    <p:sldId id="274" r:id="rId20"/>
   </p:sldIdLst>
   <p:sldSz cx="12192000" cy="6858000"/>
   <p:notesSz cx="6858000" cy="9144000"/>
@@ -119,6 +122,11 @@
       </a:defRPr>
     </a:lvl9pPr>
   </p:defaultTextStyle>
+  <p:extLst>
+    <p:ext uri="{EFAFB233-063F-42B5-8137-9DF3F51BA10A}">
+      <p15:sldGuideLst xmlns:p15="http://schemas.microsoft.com/office/powerpoint/2012/main"/>
+    </p:ext>
+  </p:extLst>
 </p:presentation>
 </file>
 
@@ -271,7 +279,7 @@
           <a:p>
             <a:fld id="{B33CCB76-8749-424B-93DD-E864F7BF9854}" type="datetimeFigureOut">
               <a:rPr lang="fr-FR" smtClean="0"/>
-              <a:t>08/09/2022</a:t>
+              <a:t>09/09/2022</a:t>
             </a:fld>
             <a:endParaRPr lang="fr-FR"/>
           </a:p>
@@ -471,7 +479,7 @@
           <a:p>
             <a:fld id="{B33CCB76-8749-424B-93DD-E864F7BF9854}" type="datetimeFigureOut">
               <a:rPr lang="fr-FR" smtClean="0"/>
-              <a:t>08/09/2022</a:t>
+              <a:t>09/09/2022</a:t>
             </a:fld>
             <a:endParaRPr lang="fr-FR"/>
           </a:p>
@@ -681,7 +689,7 @@
           <a:p>
             <a:fld id="{B33CCB76-8749-424B-93DD-E864F7BF9854}" type="datetimeFigureOut">
               <a:rPr lang="fr-FR" smtClean="0"/>
-              <a:t>08/09/2022</a:t>
+              <a:t>09/09/2022</a:t>
             </a:fld>
             <a:endParaRPr lang="fr-FR"/>
           </a:p>
@@ -881,7 +889,7 @@
           <a:p>
             <a:fld id="{B33CCB76-8749-424B-93DD-E864F7BF9854}" type="datetimeFigureOut">
               <a:rPr lang="fr-FR" smtClean="0"/>
-              <a:t>08/09/2022</a:t>
+              <a:t>09/09/2022</a:t>
             </a:fld>
             <a:endParaRPr lang="fr-FR"/>
           </a:p>
@@ -1157,7 +1165,7 @@
           <a:p>
             <a:fld id="{B33CCB76-8749-424B-93DD-E864F7BF9854}" type="datetimeFigureOut">
               <a:rPr lang="fr-FR" smtClean="0"/>
-              <a:t>08/09/2022</a:t>
+              <a:t>09/09/2022</a:t>
             </a:fld>
             <a:endParaRPr lang="fr-FR"/>
           </a:p>
@@ -1425,7 +1433,7 @@
           <a:p>
             <a:fld id="{B33CCB76-8749-424B-93DD-E864F7BF9854}" type="datetimeFigureOut">
               <a:rPr lang="fr-FR" smtClean="0"/>
-              <a:t>08/09/2022</a:t>
+              <a:t>09/09/2022</a:t>
             </a:fld>
             <a:endParaRPr lang="fr-FR"/>
           </a:p>
@@ -1840,7 +1848,7 @@
           <a:p>
             <a:fld id="{B33CCB76-8749-424B-93DD-E864F7BF9854}" type="datetimeFigureOut">
               <a:rPr lang="fr-FR" smtClean="0"/>
-              <a:t>08/09/2022</a:t>
+              <a:t>09/09/2022</a:t>
             </a:fld>
             <a:endParaRPr lang="fr-FR"/>
           </a:p>
@@ -1982,7 +1990,7 @@
           <a:p>
             <a:fld id="{B33CCB76-8749-424B-93DD-E864F7BF9854}" type="datetimeFigureOut">
               <a:rPr lang="fr-FR" smtClean="0"/>
-              <a:t>08/09/2022</a:t>
+              <a:t>09/09/2022</a:t>
             </a:fld>
             <a:endParaRPr lang="fr-FR"/>
           </a:p>
@@ -2095,7 +2103,7 @@
           <a:p>
             <a:fld id="{B33CCB76-8749-424B-93DD-E864F7BF9854}" type="datetimeFigureOut">
               <a:rPr lang="fr-FR" smtClean="0"/>
-              <a:t>08/09/2022</a:t>
+              <a:t>09/09/2022</a:t>
             </a:fld>
             <a:endParaRPr lang="fr-FR"/>
           </a:p>
@@ -2408,7 +2416,7 @@
           <a:p>
             <a:fld id="{B33CCB76-8749-424B-93DD-E864F7BF9854}" type="datetimeFigureOut">
               <a:rPr lang="fr-FR" smtClean="0"/>
-              <a:t>08/09/2022</a:t>
+              <a:t>09/09/2022</a:t>
             </a:fld>
             <a:endParaRPr lang="fr-FR"/>
           </a:p>
@@ -2697,7 +2705,7 @@
           <a:p>
             <a:fld id="{B33CCB76-8749-424B-93DD-E864F7BF9854}" type="datetimeFigureOut">
               <a:rPr lang="fr-FR" smtClean="0"/>
-              <a:t>08/09/2022</a:t>
+              <a:t>09/09/2022</a:t>
             </a:fld>
             <a:endParaRPr lang="fr-FR"/>
           </a:p>
@@ -2940,7 +2948,7 @@
           <a:p>
             <a:fld id="{B33CCB76-8749-424B-93DD-E864F7BF9854}" type="datetimeFigureOut">
               <a:rPr lang="fr-FR" smtClean="0"/>
-              <a:t>08/09/2022</a:t>
+              <a:t>09/09/2022</a:t>
             </a:fld>
             <a:endParaRPr lang="fr-FR"/>
           </a:p>
@@ -5350,6 +5358,341 @@
     <p:extLst>
       <p:ext uri="{BB962C8B-B14F-4D97-AF65-F5344CB8AC3E}">
         <p14:creationId xmlns:p14="http://schemas.microsoft.com/office/powerpoint/2010/main" val="304756674"/>
+      </p:ext>
+    </p:extLst>
+  </p:cSld>
+  <p:clrMapOvr>
+    <a:masterClrMapping/>
+  </p:clrMapOvr>
+</p:sld>
+</file>
+
+<file path=ppt/slides/slide17.xml><?xml version="1.0" encoding="utf-8"?>
+<p:sld xmlns:a="http://schemas.openxmlformats.org/drawingml/2006/main" xmlns:r="http://schemas.openxmlformats.org/officeDocument/2006/relationships" xmlns:p="http://schemas.openxmlformats.org/presentationml/2006/main">
+  <p:cSld>
+    <p:spTree>
+      <p:nvGrpSpPr>
+        <p:cNvPr id="1" name=""/>
+        <p:cNvGrpSpPr/>
+        <p:nvPr/>
+      </p:nvGrpSpPr>
+      <p:grpSpPr>
+        <a:xfrm>
+          <a:off x="0" y="0"/>
+          <a:ext cx="0" cy="0"/>
+          <a:chOff x="0" y="0"/>
+          <a:chExt cx="0" cy="0"/>
+        </a:xfrm>
+      </p:grpSpPr>
+      <p:sp>
+        <p:nvSpPr>
+          <p:cNvPr id="2" name="Title 1">
+            <a:extLst>
+              <a:ext uri="{FF2B5EF4-FFF2-40B4-BE49-F238E27FC236}">
+                <a16:creationId xmlns:a16="http://schemas.microsoft.com/office/drawing/2014/main" id="{B61D5570-186B-4826-9AFA-6141E393B282}"/>
+              </a:ext>
+            </a:extLst>
+          </p:cNvPr>
+          <p:cNvSpPr>
+            <a:spLocks noGrp="1"/>
+          </p:cNvSpPr>
+          <p:nvPr>
+            <p:ph type="title"/>
+          </p:nvPr>
+        </p:nvSpPr>
+        <p:spPr/>
+        <p:txBody>
+          <a:bodyPr/>
+          <a:lstStyle/>
+          <a:p>
+            <a:r>
+              <a:rPr lang="fr-FR" dirty="0"/>
+              <a:t>Tests</a:t>
+            </a:r>
+          </a:p>
+        </p:txBody>
+      </p:sp>
+      <p:sp>
+        <p:nvSpPr>
+          <p:cNvPr id="3" name="Content Placeholder 2">
+            <a:extLst>
+              <a:ext uri="{FF2B5EF4-FFF2-40B4-BE49-F238E27FC236}">
+                <a16:creationId xmlns:a16="http://schemas.microsoft.com/office/drawing/2014/main" id="{56EC5F85-8291-494D-B16F-4D4FA5138FC7}"/>
+              </a:ext>
+            </a:extLst>
+          </p:cNvPr>
+          <p:cNvSpPr>
+            <a:spLocks noGrp="1"/>
+          </p:cNvSpPr>
+          <p:nvPr>
+            <p:ph idx="1"/>
+          </p:nvPr>
+        </p:nvSpPr>
+        <p:spPr/>
+        <p:txBody>
+          <a:bodyPr/>
+          <a:lstStyle/>
+          <a:p>
+            <a:r>
+              <a:rPr lang="fr-FR" dirty="0"/>
+              <a:t>Test unitaire : </a:t>
+            </a:r>
+            <a:r>
+              <a:rPr lang="fr-FR" dirty="0" err="1"/>
+              <a:t>mocha</a:t>
+            </a:r>
+            <a:r>
+              <a:rPr lang="fr-FR" dirty="0"/>
+              <a:t>, </a:t>
+            </a:r>
+            <a:r>
+              <a:rPr lang="fr-FR" dirty="0" err="1"/>
+              <a:t>jest</a:t>
+            </a:r>
+            <a:r>
+              <a:rPr lang="fr-FR" dirty="0"/>
+              <a:t>, </a:t>
+            </a:r>
+            <a:r>
+              <a:rPr lang="fr-FR" dirty="0" err="1"/>
+              <a:t>jasmine</a:t>
+            </a:r>
+            <a:endParaRPr lang="fr-FR" dirty="0"/>
+          </a:p>
+          <a:p>
+            <a:r>
+              <a:rPr lang="fr-FR" dirty="0"/>
+              <a:t>Test d’</a:t>
+            </a:r>
+            <a:r>
+              <a:rPr lang="fr-FR" dirty="0" err="1"/>
+              <a:t>integration</a:t>
+            </a:r>
+            <a:r>
+              <a:rPr lang="fr-FR" dirty="0"/>
+              <a:t> : </a:t>
+            </a:r>
+            <a:r>
+              <a:rPr lang="fr-FR" dirty="0" err="1"/>
+              <a:t>cypress</a:t>
+            </a:r>
+            <a:endParaRPr lang="fr-FR" dirty="0"/>
+          </a:p>
+          <a:p>
+            <a:r>
+              <a:rPr lang="fr-FR" dirty="0"/>
+              <a:t>Test de revue code (linter) : </a:t>
+            </a:r>
+            <a:r>
+              <a:rPr lang="fr-FR" dirty="0" err="1"/>
+              <a:t>ESLint</a:t>
+            </a:r>
+            <a:endParaRPr lang="fr-FR" dirty="0"/>
+          </a:p>
+          <a:p>
+            <a:endParaRPr lang="fr-FR" dirty="0"/>
+          </a:p>
+        </p:txBody>
+      </p:sp>
+    </p:spTree>
+    <p:extLst>
+      <p:ext uri="{BB962C8B-B14F-4D97-AF65-F5344CB8AC3E}">
+        <p14:creationId xmlns:p14="http://schemas.microsoft.com/office/powerpoint/2010/main" val="3064885247"/>
+      </p:ext>
+    </p:extLst>
+  </p:cSld>
+  <p:clrMapOvr>
+    <a:masterClrMapping/>
+  </p:clrMapOvr>
+</p:sld>
+</file>
+
+<file path=ppt/slides/slide18.xml><?xml version="1.0" encoding="utf-8"?>
+<p:sld xmlns:a="http://schemas.openxmlformats.org/drawingml/2006/main" xmlns:r="http://schemas.openxmlformats.org/officeDocument/2006/relationships" xmlns:p="http://schemas.openxmlformats.org/presentationml/2006/main">
+  <p:cSld>
+    <p:spTree>
+      <p:nvGrpSpPr>
+        <p:cNvPr id="1" name=""/>
+        <p:cNvGrpSpPr/>
+        <p:nvPr/>
+      </p:nvGrpSpPr>
+      <p:grpSpPr>
+        <a:xfrm>
+          <a:off x="0" y="0"/>
+          <a:ext cx="0" cy="0"/>
+          <a:chOff x="0" y="0"/>
+          <a:chExt cx="0" cy="0"/>
+        </a:xfrm>
+      </p:grpSpPr>
+      <p:sp>
+        <p:nvSpPr>
+          <p:cNvPr id="2" name="Title 1">
+            <a:extLst>
+              <a:ext uri="{FF2B5EF4-FFF2-40B4-BE49-F238E27FC236}">
+                <a16:creationId xmlns:a16="http://schemas.microsoft.com/office/drawing/2014/main" id="{5951E596-A387-4185-B48D-5AF38915C4A6}"/>
+              </a:ext>
+            </a:extLst>
+          </p:cNvPr>
+          <p:cNvSpPr>
+            <a:spLocks noGrp="1"/>
+          </p:cNvSpPr>
+          <p:nvPr>
+            <p:ph type="title"/>
+          </p:nvPr>
+        </p:nvSpPr>
+        <p:spPr/>
+        <p:txBody>
+          <a:bodyPr/>
+          <a:lstStyle/>
+          <a:p>
+            <a:r>
+              <a:rPr lang="fr-FR" dirty="0"/>
+              <a:t>Back</a:t>
+            </a:r>
+          </a:p>
+        </p:txBody>
+      </p:sp>
+      <p:sp>
+        <p:nvSpPr>
+          <p:cNvPr id="3" name="Content Placeholder 2">
+            <a:extLst>
+              <a:ext uri="{FF2B5EF4-FFF2-40B4-BE49-F238E27FC236}">
+                <a16:creationId xmlns:a16="http://schemas.microsoft.com/office/drawing/2014/main" id="{97B8F281-6D09-4EC8-BB4E-5280DDB47A7F}"/>
+              </a:ext>
+            </a:extLst>
+          </p:cNvPr>
+          <p:cNvSpPr>
+            <a:spLocks noGrp="1"/>
+          </p:cNvSpPr>
+          <p:nvPr>
+            <p:ph idx="1"/>
+          </p:nvPr>
+        </p:nvSpPr>
+        <p:spPr/>
+        <p:txBody>
+          <a:bodyPr/>
+          <a:lstStyle/>
+          <a:p>
+            <a:r>
+              <a:rPr lang="fr-FR" dirty="0"/>
+              <a:t>express</a:t>
+            </a:r>
+          </a:p>
+          <a:p>
+            <a:r>
+              <a:rPr lang="fr-FR" dirty="0"/>
+              <a:t>Nest.js</a:t>
+            </a:r>
+          </a:p>
+          <a:p>
+            <a:endParaRPr lang="fr-FR" dirty="0"/>
+          </a:p>
+        </p:txBody>
+      </p:sp>
+    </p:spTree>
+    <p:extLst>
+      <p:ext uri="{BB962C8B-B14F-4D97-AF65-F5344CB8AC3E}">
+        <p14:creationId xmlns:p14="http://schemas.microsoft.com/office/powerpoint/2010/main" val="1935927567"/>
+      </p:ext>
+    </p:extLst>
+  </p:cSld>
+  <p:clrMapOvr>
+    <a:masterClrMapping/>
+  </p:clrMapOvr>
+</p:sld>
+</file>
+
+<file path=ppt/slides/slide19.xml><?xml version="1.0" encoding="utf-8"?>
+<p:sld xmlns:a="http://schemas.openxmlformats.org/drawingml/2006/main" xmlns:r="http://schemas.openxmlformats.org/officeDocument/2006/relationships" xmlns:p="http://schemas.openxmlformats.org/presentationml/2006/main">
+  <p:cSld>
+    <p:spTree>
+      <p:nvGrpSpPr>
+        <p:cNvPr id="1" name=""/>
+        <p:cNvGrpSpPr/>
+        <p:nvPr/>
+      </p:nvGrpSpPr>
+      <p:grpSpPr>
+        <a:xfrm>
+          <a:off x="0" y="0"/>
+          <a:ext cx="0" cy="0"/>
+          <a:chOff x="0" y="0"/>
+          <a:chExt cx="0" cy="0"/>
+        </a:xfrm>
+      </p:grpSpPr>
+      <p:sp>
+        <p:nvSpPr>
+          <p:cNvPr id="2" name="Title 1">
+            <a:extLst>
+              <a:ext uri="{FF2B5EF4-FFF2-40B4-BE49-F238E27FC236}">
+                <a16:creationId xmlns:a16="http://schemas.microsoft.com/office/drawing/2014/main" id="{A474EF14-EFF3-4852-BC73-FD6E9D14A3DD}"/>
+              </a:ext>
+            </a:extLst>
+          </p:cNvPr>
+          <p:cNvSpPr>
+            <a:spLocks noGrp="1"/>
+          </p:cNvSpPr>
+          <p:nvPr>
+            <p:ph type="title"/>
+          </p:nvPr>
+        </p:nvSpPr>
+        <p:spPr/>
+        <p:txBody>
+          <a:bodyPr/>
+          <a:lstStyle/>
+          <a:p>
+            <a:r>
+              <a:rPr lang="fr-FR" dirty="0"/>
+              <a:t>Front</a:t>
+            </a:r>
+          </a:p>
+        </p:txBody>
+      </p:sp>
+      <p:sp>
+        <p:nvSpPr>
+          <p:cNvPr id="3" name="Content Placeholder 2">
+            <a:extLst>
+              <a:ext uri="{FF2B5EF4-FFF2-40B4-BE49-F238E27FC236}">
+                <a16:creationId xmlns:a16="http://schemas.microsoft.com/office/drawing/2014/main" id="{6FB1AF27-7EF7-4EA5-B9D5-C354F0755906}"/>
+              </a:ext>
+            </a:extLst>
+          </p:cNvPr>
+          <p:cNvSpPr>
+            <a:spLocks noGrp="1"/>
+          </p:cNvSpPr>
+          <p:nvPr>
+            <p:ph idx="1"/>
+          </p:nvPr>
+        </p:nvSpPr>
+        <p:spPr/>
+        <p:txBody>
+          <a:bodyPr/>
+          <a:lstStyle/>
+          <a:p>
+            <a:r>
+              <a:rPr lang="fr-FR" dirty="0" err="1"/>
+              <a:t>Angular</a:t>
+            </a:r>
+            <a:endParaRPr lang="fr-FR" dirty="0"/>
+          </a:p>
+          <a:p>
+            <a:r>
+              <a:rPr lang="fr-FR" dirty="0" err="1"/>
+              <a:t>React</a:t>
+            </a:r>
+            <a:endParaRPr lang="fr-FR" dirty="0"/>
+          </a:p>
+          <a:p>
+            <a:r>
+              <a:rPr lang="fr-FR" dirty="0"/>
+              <a:t>Vue</a:t>
+            </a:r>
+          </a:p>
+        </p:txBody>
+      </p:sp>
+    </p:spTree>
+    <p:extLst>
+      <p:ext uri="{BB962C8B-B14F-4D97-AF65-F5344CB8AC3E}">
+        <p14:creationId xmlns:p14="http://schemas.microsoft.com/office/powerpoint/2010/main" val="1341318398"/>
       </p:ext>
     </p:extLst>
   </p:cSld>
